--- a/RGUH/Images/Other/Instructions.pptx
+++ b/RGUH/Images/Other/Instructions.pptx
@@ -290,7 +290,7 @@
             <a:fld id="{348FD64A-658E-4CC7-B5AC-3AEC09433BA8}" type="datetimeFigureOut">
               <a:rPr lang="en-US" smtClean="0"/>
               <a:pPr/>
-              <a:t>11/5/2016</a:t>
+              <a:t>11/3/2017</a:t>
             </a:fld>
             <a:endParaRPr lang="en-US"/>
           </a:p>
@@ -457,7 +457,7 @@
             <a:fld id="{348FD64A-658E-4CC7-B5AC-3AEC09433BA8}" type="datetimeFigureOut">
               <a:rPr lang="en-US" smtClean="0"/>
               <a:pPr/>
-              <a:t>11/5/2016</a:t>
+              <a:t>11/3/2017</a:t>
             </a:fld>
             <a:endParaRPr lang="en-US"/>
           </a:p>
@@ -634,7 +634,7 @@
             <a:fld id="{348FD64A-658E-4CC7-B5AC-3AEC09433BA8}" type="datetimeFigureOut">
               <a:rPr lang="en-US" smtClean="0"/>
               <a:pPr/>
-              <a:t>11/5/2016</a:t>
+              <a:t>11/3/2017</a:t>
             </a:fld>
             <a:endParaRPr lang="en-US"/>
           </a:p>
@@ -801,7 +801,7 @@
             <a:fld id="{348FD64A-658E-4CC7-B5AC-3AEC09433BA8}" type="datetimeFigureOut">
               <a:rPr lang="en-US" smtClean="0"/>
               <a:pPr/>
-              <a:t>11/5/2016</a:t>
+              <a:t>11/3/2017</a:t>
             </a:fld>
             <a:endParaRPr lang="en-US"/>
           </a:p>
@@ -1044,7 +1044,7 @@
             <a:fld id="{348FD64A-658E-4CC7-B5AC-3AEC09433BA8}" type="datetimeFigureOut">
               <a:rPr lang="en-US" smtClean="0"/>
               <a:pPr/>
-              <a:t>11/5/2016</a:t>
+              <a:t>11/3/2017</a:t>
             </a:fld>
             <a:endParaRPr lang="en-US"/>
           </a:p>
@@ -1329,7 +1329,7 @@
             <a:fld id="{348FD64A-658E-4CC7-B5AC-3AEC09433BA8}" type="datetimeFigureOut">
               <a:rPr lang="en-US" smtClean="0"/>
               <a:pPr/>
-              <a:t>11/5/2016</a:t>
+              <a:t>11/3/2017</a:t>
             </a:fld>
             <a:endParaRPr lang="en-US"/>
           </a:p>
@@ -1748,7 +1748,7 @@
             <a:fld id="{348FD64A-658E-4CC7-B5AC-3AEC09433BA8}" type="datetimeFigureOut">
               <a:rPr lang="en-US" smtClean="0"/>
               <a:pPr/>
-              <a:t>11/5/2016</a:t>
+              <a:t>11/3/2017</a:t>
             </a:fld>
             <a:endParaRPr lang="en-US"/>
           </a:p>
@@ -1863,7 +1863,7 @@
             <a:fld id="{348FD64A-658E-4CC7-B5AC-3AEC09433BA8}" type="datetimeFigureOut">
               <a:rPr lang="en-US" smtClean="0"/>
               <a:pPr/>
-              <a:t>11/5/2016</a:t>
+              <a:t>11/3/2017</a:t>
             </a:fld>
             <a:endParaRPr lang="en-US"/>
           </a:p>
@@ -1955,7 +1955,7 @@
             <a:fld id="{348FD64A-658E-4CC7-B5AC-3AEC09433BA8}" type="datetimeFigureOut">
               <a:rPr lang="en-US" smtClean="0"/>
               <a:pPr/>
-              <a:t>11/5/2016</a:t>
+              <a:t>11/3/2017</a:t>
             </a:fld>
             <a:endParaRPr lang="en-US"/>
           </a:p>
@@ -2229,7 +2229,7 @@
             <a:fld id="{348FD64A-658E-4CC7-B5AC-3AEC09433BA8}" type="datetimeFigureOut">
               <a:rPr lang="en-US" smtClean="0"/>
               <a:pPr/>
-              <a:t>11/5/2016</a:t>
+              <a:t>11/3/2017</a:t>
             </a:fld>
             <a:endParaRPr lang="en-US"/>
           </a:p>
@@ -2479,7 +2479,7 @@
             <a:fld id="{348FD64A-658E-4CC7-B5AC-3AEC09433BA8}" type="datetimeFigureOut">
               <a:rPr lang="en-US" smtClean="0"/>
               <a:pPr/>
-              <a:t>11/5/2016</a:t>
+              <a:t>11/3/2017</a:t>
             </a:fld>
             <a:endParaRPr lang="en-US"/>
           </a:p>
@@ -2689,7 +2689,7 @@
             <a:fld id="{348FD64A-658E-4CC7-B5AC-3AEC09433BA8}" type="datetimeFigureOut">
               <a:rPr lang="en-US" smtClean="0"/>
               <a:pPr/>
-              <a:t>11/5/2016</a:t>
+              <a:t>11/3/2017</a:t>
             </a:fld>
             <a:endParaRPr lang="en-US"/>
           </a:p>
@@ -3100,11 +3100,23 @@
             <a:pPr algn="ctr"/>
             <a:r>
               <a:rPr lang="en-US" sz="1600" dirty="0" smtClean="0"/>
-              <a:t>At the bottom of the list you can see the amount of prize points you accumulated so far</a:t>
+              <a:t>At the bottom of the list you can see the </a:t>
             </a:r>
             <a:r>
               <a:rPr lang="en-US" sz="1600" dirty="0" smtClean="0"/>
-              <a:t>.</a:t>
+              <a:t>average amount </a:t>
+            </a:r>
+            <a:r>
+              <a:rPr lang="en-US" sz="1600" dirty="0" smtClean="0"/>
+              <a:t>of prize points you </a:t>
+            </a:r>
+            <a:r>
+              <a:rPr lang="en-US" sz="1600" dirty="0" smtClean="0"/>
+              <a:t>achieved </a:t>
+            </a:r>
+            <a:r>
+              <a:rPr lang="en-US" sz="1600" dirty="0" smtClean="0"/>
+              <a:t>so far.</a:t>
             </a:r>
           </a:p>
           <a:p>
@@ -3115,7 +3127,23 @@
             <a:pPr algn="ctr"/>
             <a:r>
               <a:rPr lang="en-US" sz="1600" dirty="0" smtClean="0"/>
-              <a:t>At the end, you will get a cent for each 25 prize points (4 cents for 100 prize points).</a:t>
+              <a:t>At the end, you will get a cent for each </a:t>
+            </a:r>
+            <a:r>
+              <a:rPr lang="en-US" sz="1600" dirty="0" smtClean="0"/>
+              <a:t>4 </a:t>
+            </a:r>
+            <a:r>
+              <a:rPr lang="en-US" sz="1600" dirty="0" smtClean="0"/>
+              <a:t>prize points </a:t>
+            </a:r>
+            <a:r>
+              <a:rPr lang="en-US" sz="1600" dirty="0" smtClean="0"/>
+              <a:t>(25 </a:t>
+            </a:r>
+            <a:r>
+              <a:rPr lang="en-US" sz="1600" dirty="0" smtClean="0"/>
+              <a:t>cents for 100 prize points).</a:t>
             </a:r>
             <a:endParaRPr lang="en-US" sz="1600" dirty="0"/>
           </a:p>
